--- a/申优PPT.pptx
+++ b/申优PPT.pptx
@@ -16742,7 +16742,7 @@
       </p:sp>
       <p:pic>
         <p:nvPicPr>
-          <p:cNvPr id="3" name="图片 2"/>
+          <p:cNvPr id="2" name="图片 1"/>
           <p:cNvPicPr>
             <a:picLocks noChangeAspect="1"/>
           </p:cNvPicPr>
@@ -16756,8 +16756,8 @@
         </p:blipFill>
         <p:spPr>
           <a:xfrm>
-            <a:off x="1213485" y="3212465"/>
-            <a:ext cx="4733925" cy="1540510"/>
+            <a:off x="1279525" y="2336800"/>
+            <a:ext cx="6513195" cy="3531870"/>
           </a:xfrm>
           <a:prstGeom prst="rect">
             <a:avLst/>
@@ -16921,17 +16921,6 @@
                   <a:spcPct val="120000"/>
                 </a:lnSpc>
               </a:pPr>
-              <a:r>
-                <a:rPr sz="2000" dirty="0">
-                  <a:solidFill>
-                    <a:schemeClr val="tx1">
-                      <a:lumMod val="50000"/>
-                      <a:lumOff val="50000"/>
-                    </a:schemeClr>
-                  </a:solidFill>
-                </a:rPr>
-                <a:t>Start_process函数中过早释放了file_name导致page_fault</a:t>
-              </a:r>
               <a:endParaRPr sz="2000" dirty="0">
                 <a:solidFill>
                   <a:schemeClr val="tx1">
@@ -16983,7 +16972,7 @@
                     </a:schemeClr>
                   </a:solidFill>
                 </a:rPr>
-                <a:t>忽略了字节对齐问题</a:t>
+                <a:t>没有检测参数有效性导致了错误</a:t>
               </a:r>
               <a:endParaRPr lang="zh-CN" sz="2400" b="1" dirty="0">
                 <a:solidFill>
